--- a/Apresentação.pptx
+++ b/Apresentação.pptx
@@ -110,6 +110,11 @@
       </a:defRPr>
     </a:lvl9pPr>
   </p:defaultTextStyle>
+  <p:extLst>
+    <p:ext uri="{EFAFB233-063F-42B5-8137-9DF3F51BA10A}">
+      <p15:sldGuideLst xmlns:p15="http://schemas.microsoft.com/office/powerpoint/2012/main"/>
+    </p:ext>
+  </p:extLst>
 </p:presentation>
 </file>
 
@@ -835,7 +840,7 @@
           <a:p>
             <a:fld id="{432519ED-0A04-4323-A0F7-E6C036212030}" type="datetimeFigureOut">
               <a:rPr lang="pt-BR" smtClean="0"/>
-              <a:t>13/12/2020</a:t>
+              <a:t>14/12/2020</a:t>
             </a:fld>
             <a:endParaRPr lang="pt-BR"/>
           </a:p>
@@ -1086,7 +1091,7 @@
           <a:p>
             <a:fld id="{432519ED-0A04-4323-A0F7-E6C036212030}" type="datetimeFigureOut">
               <a:rPr lang="pt-BR" smtClean="0"/>
-              <a:t>13/12/2020</a:t>
+              <a:t>14/12/2020</a:t>
             </a:fld>
             <a:endParaRPr lang="pt-BR"/>
           </a:p>
@@ -1400,7 +1405,7 @@
           <a:p>
             <a:fld id="{432519ED-0A04-4323-A0F7-E6C036212030}" type="datetimeFigureOut">
               <a:rPr lang="pt-BR" smtClean="0"/>
-              <a:t>13/12/2020</a:t>
+              <a:t>14/12/2020</a:t>
             </a:fld>
             <a:endParaRPr lang="pt-BR"/>
           </a:p>
@@ -1741,7 +1746,7 @@
           <a:p>
             <a:fld id="{432519ED-0A04-4323-A0F7-E6C036212030}" type="datetimeFigureOut">
               <a:rPr lang="pt-BR" smtClean="0"/>
-              <a:t>13/12/2020</a:t>
+              <a:t>14/12/2020</a:t>
             </a:fld>
             <a:endParaRPr lang="pt-BR"/>
           </a:p>
@@ -2055,7 +2060,7 @@
           <a:p>
             <a:fld id="{432519ED-0A04-4323-A0F7-E6C036212030}" type="datetimeFigureOut">
               <a:rPr lang="pt-BR" smtClean="0"/>
-              <a:t>13/12/2020</a:t>
+              <a:t>14/12/2020</a:t>
             </a:fld>
             <a:endParaRPr lang="pt-BR"/>
           </a:p>
@@ -2448,7 +2453,7 @@
           <a:p>
             <a:fld id="{432519ED-0A04-4323-A0F7-E6C036212030}" type="datetimeFigureOut">
               <a:rPr lang="pt-BR" smtClean="0"/>
-              <a:t>13/12/2020</a:t>
+              <a:t>14/12/2020</a:t>
             </a:fld>
             <a:endParaRPr lang="pt-BR"/>
           </a:p>
@@ -2618,7 +2623,7 @@
           <a:p>
             <a:fld id="{432519ED-0A04-4323-A0F7-E6C036212030}" type="datetimeFigureOut">
               <a:rPr lang="pt-BR" smtClean="0"/>
-              <a:t>13/12/2020</a:t>
+              <a:t>14/12/2020</a:t>
             </a:fld>
             <a:endParaRPr lang="pt-BR"/>
           </a:p>
@@ -2798,7 +2803,7 @@
           <a:p>
             <a:fld id="{432519ED-0A04-4323-A0F7-E6C036212030}" type="datetimeFigureOut">
               <a:rPr lang="pt-BR" smtClean="0"/>
-              <a:t>13/12/2020</a:t>
+              <a:t>14/12/2020</a:t>
             </a:fld>
             <a:endParaRPr lang="pt-BR"/>
           </a:p>
@@ -2974,7 +2979,7 @@
           <a:p>
             <a:fld id="{432519ED-0A04-4323-A0F7-E6C036212030}" type="datetimeFigureOut">
               <a:rPr lang="pt-BR" smtClean="0"/>
-              <a:t>13/12/2020</a:t>
+              <a:t>14/12/2020</a:t>
             </a:fld>
             <a:endParaRPr lang="pt-BR"/>
           </a:p>
@@ -3221,7 +3226,7 @@
           <a:p>
             <a:fld id="{432519ED-0A04-4323-A0F7-E6C036212030}" type="datetimeFigureOut">
               <a:rPr lang="pt-BR" smtClean="0"/>
-              <a:t>13/12/2020</a:t>
+              <a:t>14/12/2020</a:t>
             </a:fld>
             <a:endParaRPr lang="pt-BR"/>
           </a:p>
@@ -3453,7 +3458,7 @@
           <a:p>
             <a:fld id="{432519ED-0A04-4323-A0F7-E6C036212030}" type="datetimeFigureOut">
               <a:rPr lang="pt-BR" smtClean="0"/>
-              <a:t>13/12/2020</a:t>
+              <a:t>14/12/2020</a:t>
             </a:fld>
             <a:endParaRPr lang="pt-BR"/>
           </a:p>
@@ -3827,7 +3832,7 @@
           <a:p>
             <a:fld id="{432519ED-0A04-4323-A0F7-E6C036212030}" type="datetimeFigureOut">
               <a:rPr lang="pt-BR" smtClean="0"/>
-              <a:t>13/12/2020</a:t>
+              <a:t>14/12/2020</a:t>
             </a:fld>
             <a:endParaRPr lang="pt-BR"/>
           </a:p>
@@ -3950,7 +3955,7 @@
           <a:p>
             <a:fld id="{432519ED-0A04-4323-A0F7-E6C036212030}" type="datetimeFigureOut">
               <a:rPr lang="pt-BR" smtClean="0"/>
-              <a:t>13/12/2020</a:t>
+              <a:t>14/12/2020</a:t>
             </a:fld>
             <a:endParaRPr lang="pt-BR"/>
           </a:p>
@@ -4045,7 +4050,7 @@
           <a:p>
             <a:fld id="{432519ED-0A04-4323-A0F7-E6C036212030}" type="datetimeFigureOut">
               <a:rPr lang="pt-BR" smtClean="0"/>
-              <a:t>13/12/2020</a:t>
+              <a:t>14/12/2020</a:t>
             </a:fld>
             <a:endParaRPr lang="pt-BR"/>
           </a:p>
@@ -4300,7 +4305,7 @@
           <a:p>
             <a:fld id="{432519ED-0A04-4323-A0F7-E6C036212030}" type="datetimeFigureOut">
               <a:rPr lang="pt-BR" smtClean="0"/>
-              <a:t>13/12/2020</a:t>
+              <a:t>14/12/2020</a:t>
             </a:fld>
             <a:endParaRPr lang="pt-BR"/>
           </a:p>
@@ -4563,7 +4568,7 @@
           <a:p>
             <a:fld id="{432519ED-0A04-4323-A0F7-E6C036212030}" type="datetimeFigureOut">
               <a:rPr lang="pt-BR" smtClean="0"/>
-              <a:t>13/12/2020</a:t>
+              <a:t>14/12/2020</a:t>
             </a:fld>
             <a:endParaRPr lang="pt-BR"/>
           </a:p>
@@ -5306,7 +5311,7 @@
           <a:p>
             <a:fld id="{432519ED-0A04-4323-A0F7-E6C036212030}" type="datetimeFigureOut">
               <a:rPr lang="pt-BR" smtClean="0"/>
-              <a:t>13/12/2020</a:t>
+              <a:t>14/12/2020</a:t>
             </a:fld>
             <a:endParaRPr lang="pt-BR"/>
           </a:p>
@@ -6751,46 +6756,46 @@
           <a:chExt cx="0" cy="0"/>
         </a:xfrm>
       </p:grpSpPr>
-      <p:pic>
-        <p:nvPicPr>
-          <p:cNvPr id="5" name="Imagem 4">
+      <p:sp>
+        <p:nvSpPr>
+          <p:cNvPr id="2" name="Título 1">
             <a:extLst>
               <a:ext uri="{FF2B5EF4-FFF2-40B4-BE49-F238E27FC236}">
-                <a16:creationId xmlns:a16="http://schemas.microsoft.com/office/drawing/2014/main" id="{7198F2A8-D3C7-42E5-9786-063E2A1D2220}"/>
+                <a16:creationId xmlns:a16="http://schemas.microsoft.com/office/drawing/2014/main" id="{21228FDE-D671-46B3-B9F9-49DEF1FBB466}"/>
               </a:ext>
             </a:extLst>
           </p:cNvPr>
-          <p:cNvPicPr>
-            <a:picLocks noChangeAspect="1"/>
-          </p:cNvPicPr>
-          <p:nvPr/>
-        </p:nvPicPr>
-        <p:blipFill>
-          <a:blip r:embed="rId2">
-            <a:extLst>
-              <a:ext uri="{28A0092B-C50C-407E-A947-70E740481C1C}">
-                <a14:useLocalDpi xmlns:a14="http://schemas.microsoft.com/office/drawing/2010/main" val="0"/>
-              </a:ext>
-            </a:extLst>
-          </a:blip>
-          <a:stretch>
-            <a:fillRect/>
-          </a:stretch>
-        </p:blipFill>
+          <p:cNvSpPr>
+            <a:spLocks noGrp="1"/>
+          </p:cNvSpPr>
+          <p:nvPr>
+            <p:ph type="title"/>
+          </p:nvPr>
+        </p:nvSpPr>
         <p:spPr>
           <a:xfrm>
-            <a:off x="-29592" y="0"/>
-            <a:ext cx="12221592" cy="7084381"/>
+            <a:off x="881520" y="2385134"/>
+            <a:ext cx="8596668" cy="1320800"/>
           </a:xfrm>
-          <a:prstGeom prst="rect">
-            <a:avLst/>
-          </a:prstGeom>
         </p:spPr>
-      </p:pic>
+        <p:txBody>
+          <a:bodyPr>
+            <a:normAutofit/>
+          </a:bodyPr>
+          <a:lstStyle/>
+          <a:p>
+            <a:pPr algn="ctr"/>
+            <a:r>
+              <a:rPr lang="pt-BR" sz="6000" dirty="0"/>
+              <a:t>Obrigado</a:t>
+            </a:r>
+          </a:p>
+        </p:txBody>
+      </p:sp>
     </p:spTree>
     <p:extLst>
       <p:ext uri="{BB962C8B-B14F-4D97-AF65-F5344CB8AC3E}">
-        <p14:creationId xmlns:p14="http://schemas.microsoft.com/office/powerpoint/2010/main" val="1182875859"/>
+        <p14:creationId xmlns:p14="http://schemas.microsoft.com/office/powerpoint/2010/main" val="3736865718"/>
       </p:ext>
     </p:extLst>
   </p:cSld>
